--- a/Presentations/session4.pptx
+++ b/Presentations/session4.pptx
@@ -5,13 +5,15 @@
     <p:sldMasterId id="2147483648" r:id="rId1"/>
   </p:sldMasterIdLst>
   <p:notesMasterIdLst>
-    <p:notesMasterId r:id="rId6"/>
+    <p:notesMasterId r:id="rId8"/>
   </p:notesMasterIdLst>
   <p:sldIdLst>
     <p:sldId id="256" r:id="rId2"/>
     <p:sldId id="257" r:id="rId3"/>
     <p:sldId id="258" r:id="rId4"/>
     <p:sldId id="259" r:id="rId5"/>
+    <p:sldId id="260" r:id="rId6"/>
+    <p:sldId id="261" r:id="rId7"/>
   </p:sldIdLst>
   <p:sldSz cx="12192000" cy="6858000"/>
   <p:notesSz cx="6858000" cy="9144000"/>
@@ -116,6 +118,114 @@
     </p:ext>
   </p:extLst>
 </p:presentation>
+</file>
+
+<file path=ppt/changesInfos/changesInfo1.xml><?xml version="1.0" encoding="utf-8"?>
+<pc:chgInfo xmlns:a="http://schemas.openxmlformats.org/drawingml/2006/main" xmlns:r="http://schemas.openxmlformats.org/officeDocument/2006/relationships" xmlns:ac="http://schemas.microsoft.com/office/drawing/2013/main/command" xmlns:pc="http://schemas.microsoft.com/office/powerpoint/2013/main/command">
+  <pc:docChgLst>
+    <pc:chgData name="Gabriel Schachinger" userId="9e6b024c9cb94357" providerId="LiveId" clId="{37A43013-2627-4AED-BCFA-3AFD23F8A6E3}"/>
+    <pc:docChg chg="undo custSel addSld modSld">
+      <pc:chgData name="Gabriel Schachinger" userId="9e6b024c9cb94357" providerId="LiveId" clId="{37A43013-2627-4AED-BCFA-3AFD23F8A6E3}" dt="2023-10-12T11:59:54.351" v="233" actId="1076"/>
+      <pc:docMkLst>
+        <pc:docMk/>
+      </pc:docMkLst>
+      <pc:sldChg chg="addSp delSp modSp new mod">
+        <pc:chgData name="Gabriel Schachinger" userId="9e6b024c9cb94357" providerId="LiveId" clId="{37A43013-2627-4AED-BCFA-3AFD23F8A6E3}" dt="2023-10-12T11:59:54.351" v="233" actId="1076"/>
+        <pc:sldMkLst>
+          <pc:docMk/>
+          <pc:sldMk cId="3959319687" sldId="260"/>
+        </pc:sldMkLst>
+        <pc:spChg chg="mod">
+          <ac:chgData name="Gabriel Schachinger" userId="9e6b024c9cb94357" providerId="LiveId" clId="{37A43013-2627-4AED-BCFA-3AFD23F8A6E3}" dt="2023-10-12T11:34:47.284" v="3" actId="108"/>
+          <ac:spMkLst>
+            <pc:docMk/>
+            <pc:sldMk cId="3959319687" sldId="260"/>
+            <ac:spMk id="2" creationId="{3DC2D3CF-4139-A2BC-1857-9C9BA188880D}"/>
+          </ac:spMkLst>
+        </pc:spChg>
+        <pc:spChg chg="mod">
+          <ac:chgData name="Gabriel Schachinger" userId="9e6b024c9cb94357" providerId="LiveId" clId="{37A43013-2627-4AED-BCFA-3AFD23F8A6E3}" dt="2023-10-12T11:59:54.351" v="233" actId="1076"/>
+          <ac:spMkLst>
+            <pc:docMk/>
+            <pc:sldMk cId="3959319687" sldId="260"/>
+            <ac:spMk id="3" creationId="{C924F350-E139-629A-05D0-FA832A927260}"/>
+          </ac:spMkLst>
+        </pc:spChg>
+        <pc:spChg chg="add del">
+          <ac:chgData name="Gabriel Schachinger" userId="9e6b024c9cb94357" providerId="LiveId" clId="{37A43013-2627-4AED-BCFA-3AFD23F8A6E3}" dt="2023-10-12T11:49:13.470" v="190" actId="11529"/>
+          <ac:spMkLst>
+            <pc:docMk/>
+            <pc:sldMk cId="3959319687" sldId="260"/>
+            <ac:spMk id="4" creationId="{ACEFBA3A-942D-4FF1-5051-C34218A914FA}"/>
+          </ac:spMkLst>
+        </pc:spChg>
+        <pc:picChg chg="add mod">
+          <ac:chgData name="Gabriel Schachinger" userId="9e6b024c9cb94357" providerId="LiveId" clId="{37A43013-2627-4AED-BCFA-3AFD23F8A6E3}" dt="2023-10-12T11:59:54.351" v="233" actId="1076"/>
+          <ac:picMkLst>
+            <pc:docMk/>
+            <pc:sldMk cId="3959319687" sldId="260"/>
+            <ac:picMk id="6" creationId="{4902B941-9290-1815-E73A-774579D7AABC}"/>
+          </ac:picMkLst>
+        </pc:picChg>
+        <pc:picChg chg="add mod">
+          <ac:chgData name="Gabriel Schachinger" userId="9e6b024c9cb94357" providerId="LiveId" clId="{37A43013-2627-4AED-BCFA-3AFD23F8A6E3}" dt="2023-10-12T11:59:54.351" v="233" actId="1076"/>
+          <ac:picMkLst>
+            <pc:docMk/>
+            <pc:sldMk cId="3959319687" sldId="260"/>
+            <ac:picMk id="8" creationId="{31D68AD7-CC31-7C41-9C94-E3C4361B2064}"/>
+          </ac:picMkLst>
+        </pc:picChg>
+      </pc:sldChg>
+      <pc:sldChg chg="addSp delSp modSp new mod">
+        <pc:chgData name="Gabriel Schachinger" userId="9e6b024c9cb94357" providerId="LiveId" clId="{37A43013-2627-4AED-BCFA-3AFD23F8A6E3}" dt="2023-10-12T11:57:02.586" v="232" actId="1076"/>
+        <pc:sldMkLst>
+          <pc:docMk/>
+          <pc:sldMk cId="47046653" sldId="261"/>
+        </pc:sldMkLst>
+        <pc:spChg chg="del">
+          <ac:chgData name="Gabriel Schachinger" userId="9e6b024c9cb94357" providerId="LiveId" clId="{37A43013-2627-4AED-BCFA-3AFD23F8A6E3}" dt="2023-10-12T11:55:17.021" v="220" actId="478"/>
+          <ac:spMkLst>
+            <pc:docMk/>
+            <pc:sldMk cId="47046653" sldId="261"/>
+            <ac:spMk id="2" creationId="{967828E4-A324-A037-BA88-8994D214E08E}"/>
+          </ac:spMkLst>
+        </pc:spChg>
+        <pc:spChg chg="del">
+          <ac:chgData name="Gabriel Schachinger" userId="9e6b024c9cb94357" providerId="LiveId" clId="{37A43013-2627-4AED-BCFA-3AFD23F8A6E3}" dt="2023-10-12T11:55:20.045" v="221" actId="478"/>
+          <ac:spMkLst>
+            <pc:docMk/>
+            <pc:sldMk cId="47046653" sldId="261"/>
+            <ac:spMk id="3" creationId="{52409A4F-1B7F-3D8C-C5BE-E3ED2C3EF319}"/>
+          </ac:spMkLst>
+        </pc:spChg>
+        <pc:picChg chg="add mod">
+          <ac:chgData name="Gabriel Schachinger" userId="9e6b024c9cb94357" providerId="LiveId" clId="{37A43013-2627-4AED-BCFA-3AFD23F8A6E3}" dt="2023-10-12T11:57:02.586" v="232" actId="1076"/>
+          <ac:picMkLst>
+            <pc:docMk/>
+            <pc:sldMk cId="47046653" sldId="261"/>
+            <ac:picMk id="5" creationId="{B860DE1B-3F8D-3F53-7B85-41DEE8F5CB4C}"/>
+          </ac:picMkLst>
+        </pc:picChg>
+        <pc:picChg chg="add del mod">
+          <ac:chgData name="Gabriel Schachinger" userId="9e6b024c9cb94357" providerId="LiveId" clId="{37A43013-2627-4AED-BCFA-3AFD23F8A6E3}" dt="2023-10-12T11:56:56.085" v="229" actId="478"/>
+          <ac:picMkLst>
+            <pc:docMk/>
+            <pc:sldMk cId="47046653" sldId="261"/>
+            <ac:picMk id="7" creationId="{7613BA09-A828-4A9C-DDFF-3A28DB84BF1F}"/>
+          </ac:picMkLst>
+        </pc:picChg>
+        <pc:picChg chg="add mod">
+          <ac:chgData name="Gabriel Schachinger" userId="9e6b024c9cb94357" providerId="LiveId" clId="{37A43013-2627-4AED-BCFA-3AFD23F8A6E3}" dt="2023-10-12T11:56:59.990" v="231" actId="1076"/>
+          <ac:picMkLst>
+            <pc:docMk/>
+            <pc:sldMk cId="47046653" sldId="261"/>
+            <ac:picMk id="9" creationId="{3F7C9D30-C000-A774-01B3-C57B70F6F59C}"/>
+          </ac:picMkLst>
+        </pc:picChg>
+      </pc:sldChg>
+    </pc:docChg>
+  </pc:docChgLst>
+</pc:chgInfo>
 </file>
 
 <file path=ppt/notesMasters/notesMaster1.xml><?xml version="1.0" encoding="utf-8"?>
@@ -4185,6 +4295,302 @@
     <p:extLst>
       <p:ext uri="{BB962C8B-B14F-4D97-AF65-F5344CB8AC3E}">
         <p14:creationId xmlns:p14="http://schemas.microsoft.com/office/powerpoint/2010/main" val="1783773933"/>
+      </p:ext>
+    </p:extLst>
+  </p:cSld>
+  <p:clrMapOvr>
+    <a:masterClrMapping/>
+  </p:clrMapOvr>
+</p:sld>
+</file>
+
+<file path=ppt/slides/slide5.xml><?xml version="1.0" encoding="utf-8"?>
+<p:sld xmlns:a="http://schemas.openxmlformats.org/drawingml/2006/main" xmlns:r="http://schemas.openxmlformats.org/officeDocument/2006/relationships" xmlns:p="http://schemas.openxmlformats.org/presentationml/2006/main">
+  <p:cSld>
+    <p:spTree>
+      <p:nvGrpSpPr>
+        <p:cNvPr id="1" name=""/>
+        <p:cNvGrpSpPr/>
+        <p:nvPr/>
+      </p:nvGrpSpPr>
+      <p:grpSpPr>
+        <a:xfrm>
+          <a:off x="0" y="0"/>
+          <a:ext cx="0" cy="0"/>
+          <a:chOff x="0" y="0"/>
+          <a:chExt cx="0" cy="0"/>
+        </a:xfrm>
+      </p:grpSpPr>
+      <p:sp>
+        <p:nvSpPr>
+          <p:cNvPr id="2" name="Titel 1">
+            <a:extLst>
+              <a:ext uri="{FF2B5EF4-FFF2-40B4-BE49-F238E27FC236}">
+                <a16:creationId xmlns:a16="http://schemas.microsoft.com/office/drawing/2014/main" id="{3DC2D3CF-4139-A2BC-1857-9C9BA188880D}"/>
+              </a:ext>
+            </a:extLst>
+          </p:cNvPr>
+          <p:cNvSpPr>
+            <a:spLocks noGrp="1"/>
+          </p:cNvSpPr>
+          <p:nvPr>
+            <p:ph type="title"/>
+          </p:nvPr>
+        </p:nvSpPr>
+        <p:spPr/>
+        <p:txBody>
+          <a:bodyPr/>
+          <a:lstStyle/>
+          <a:p>
+            <a:r>
+              <a:rPr lang="en-US" dirty="0"/>
+              <a:t>Term Frequency-Inverse Document Frequency (TF-IDF)</a:t>
+            </a:r>
+            <a:endParaRPr lang="de-AT" dirty="0"/>
+          </a:p>
+        </p:txBody>
+      </p:sp>
+      <p:sp>
+        <p:nvSpPr>
+          <p:cNvPr id="3" name="Inhaltsplatzhalter 2">
+            <a:extLst>
+              <a:ext uri="{FF2B5EF4-FFF2-40B4-BE49-F238E27FC236}">
+                <a16:creationId xmlns:a16="http://schemas.microsoft.com/office/drawing/2014/main" id="{C924F350-E139-629A-05D0-FA832A927260}"/>
+              </a:ext>
+            </a:extLst>
+          </p:cNvPr>
+          <p:cNvSpPr>
+            <a:spLocks noGrp="1"/>
+          </p:cNvSpPr>
+          <p:nvPr>
+            <p:ph idx="1"/>
+          </p:nvPr>
+        </p:nvSpPr>
+        <p:spPr>
+          <a:xfrm>
+            <a:off x="838200" y="2340045"/>
+            <a:ext cx="5805668" cy="4351338"/>
+          </a:xfrm>
+        </p:spPr>
+        <p:txBody>
+          <a:bodyPr/>
+          <a:lstStyle/>
+          <a:p>
+            <a:r>
+              <a:rPr lang="de-AT" sz="2400" dirty="0"/>
+              <a:t>Term </a:t>
+            </a:r>
+            <a:r>
+              <a:rPr lang="de-AT" sz="2400" dirty="0" err="1"/>
+              <a:t>Frequency</a:t>
+            </a:r>
+            <a:r>
+              <a:rPr lang="de-AT" sz="2400" dirty="0"/>
+              <a:t> (TF): </a:t>
+            </a:r>
+          </a:p>
+          <a:p>
+            <a:pPr lvl="1"/>
+            <a:r>
+              <a:rPr lang="en-US" sz="2000" dirty="0"/>
+              <a:t>Measures frequency of a word in ONE document</a:t>
+            </a:r>
+          </a:p>
+          <a:p>
+            <a:r>
+              <a:rPr lang="de-AT" sz="2400" dirty="0"/>
+              <a:t>Inverse </a:t>
+            </a:r>
+            <a:r>
+              <a:rPr lang="de-AT" sz="2400" dirty="0" err="1"/>
+              <a:t>Document</a:t>
+            </a:r>
+            <a:r>
+              <a:rPr lang="de-AT" sz="2400" dirty="0"/>
+              <a:t> </a:t>
+            </a:r>
+            <a:r>
+              <a:rPr lang="de-AT" sz="2400" dirty="0" err="1"/>
+              <a:t>Frequency</a:t>
+            </a:r>
+            <a:r>
+              <a:rPr lang="de-AT" sz="2400" dirty="0"/>
+              <a:t> (IDF):</a:t>
+            </a:r>
+          </a:p>
+          <a:p>
+            <a:pPr lvl="1"/>
+            <a:r>
+              <a:rPr lang="en-US" sz="2000" dirty="0"/>
+              <a:t>Evaluates rarity of a word in the whole corpus</a:t>
+            </a:r>
+          </a:p>
+          <a:p>
+            <a:r>
+              <a:rPr lang="de-AT" sz="2400" dirty="0"/>
+              <a:t>TF * IDF = TF-IDF Score</a:t>
+            </a:r>
+          </a:p>
+          <a:p>
+            <a:pPr lvl="1"/>
+            <a:endParaRPr lang="de-AT" dirty="0"/>
+          </a:p>
+        </p:txBody>
+      </p:sp>
+      <p:pic>
+        <p:nvPicPr>
+          <p:cNvPr id="6" name="Grafik 5">
+            <a:extLst>
+              <a:ext uri="{FF2B5EF4-FFF2-40B4-BE49-F238E27FC236}">
+                <a16:creationId xmlns:a16="http://schemas.microsoft.com/office/drawing/2014/main" id="{4902B941-9290-1815-E73A-774579D7AABC}"/>
+              </a:ext>
+            </a:extLst>
+          </p:cNvPr>
+          <p:cNvPicPr>
+            <a:picLocks noChangeAspect="1"/>
+          </p:cNvPicPr>
+          <p:nvPr/>
+        </p:nvPicPr>
+        <p:blipFill>
+          <a:blip r:embed="rId2"/>
+          <a:stretch>
+            <a:fillRect/>
+          </a:stretch>
+        </p:blipFill>
+        <p:spPr>
+          <a:xfrm>
+            <a:off x="6560530" y="2501362"/>
+            <a:ext cx="5078591" cy="666885"/>
+          </a:xfrm>
+          <a:prstGeom prst="rect">
+            <a:avLst/>
+          </a:prstGeom>
+        </p:spPr>
+      </p:pic>
+      <p:pic>
+        <p:nvPicPr>
+          <p:cNvPr id="8" name="Grafik 7">
+            <a:extLst>
+              <a:ext uri="{FF2B5EF4-FFF2-40B4-BE49-F238E27FC236}">
+                <a16:creationId xmlns:a16="http://schemas.microsoft.com/office/drawing/2014/main" id="{31D68AD7-CC31-7C41-9C94-E3C4361B2064}"/>
+              </a:ext>
+            </a:extLst>
+          </p:cNvPr>
+          <p:cNvPicPr>
+            <a:picLocks noChangeAspect="1"/>
+          </p:cNvPicPr>
+          <p:nvPr/>
+        </p:nvPicPr>
+        <p:blipFill>
+          <a:blip r:embed="rId3"/>
+          <a:stretch>
+            <a:fillRect/>
+          </a:stretch>
+        </p:blipFill>
+        <p:spPr>
+          <a:xfrm>
+            <a:off x="6643868" y="3569158"/>
+            <a:ext cx="3835597" cy="558829"/>
+          </a:xfrm>
+          <a:prstGeom prst="rect">
+            <a:avLst/>
+          </a:prstGeom>
+        </p:spPr>
+      </p:pic>
+    </p:spTree>
+    <p:extLst>
+      <p:ext uri="{BB962C8B-B14F-4D97-AF65-F5344CB8AC3E}">
+        <p14:creationId xmlns:p14="http://schemas.microsoft.com/office/powerpoint/2010/main" val="3959319687"/>
+      </p:ext>
+    </p:extLst>
+  </p:cSld>
+  <p:clrMapOvr>
+    <a:masterClrMapping/>
+  </p:clrMapOvr>
+</p:sld>
+</file>
+
+<file path=ppt/slides/slide6.xml><?xml version="1.0" encoding="utf-8"?>
+<p:sld xmlns:a="http://schemas.openxmlformats.org/drawingml/2006/main" xmlns:r="http://schemas.openxmlformats.org/officeDocument/2006/relationships" xmlns:p="http://schemas.openxmlformats.org/presentationml/2006/main">
+  <p:cSld>
+    <p:spTree>
+      <p:nvGrpSpPr>
+        <p:cNvPr id="1" name=""/>
+        <p:cNvGrpSpPr/>
+        <p:nvPr/>
+      </p:nvGrpSpPr>
+      <p:grpSpPr>
+        <a:xfrm>
+          <a:off x="0" y="0"/>
+          <a:ext cx="0" cy="0"/>
+          <a:chOff x="0" y="0"/>
+          <a:chExt cx="0" cy="0"/>
+        </a:xfrm>
+      </p:grpSpPr>
+      <p:pic>
+        <p:nvPicPr>
+          <p:cNvPr id="5" name="Grafik 4">
+            <a:extLst>
+              <a:ext uri="{FF2B5EF4-FFF2-40B4-BE49-F238E27FC236}">
+                <a16:creationId xmlns:a16="http://schemas.microsoft.com/office/drawing/2014/main" id="{B860DE1B-3F8D-3F53-7B85-41DEE8F5CB4C}"/>
+              </a:ext>
+            </a:extLst>
+          </p:cNvPr>
+          <p:cNvPicPr>
+            <a:picLocks noChangeAspect="1"/>
+          </p:cNvPicPr>
+          <p:nvPr/>
+        </p:nvPicPr>
+        <p:blipFill>
+          <a:blip r:embed="rId2"/>
+          <a:stretch>
+            <a:fillRect/>
+          </a:stretch>
+        </p:blipFill>
+        <p:spPr>
+          <a:xfrm>
+            <a:off x="379336" y="664303"/>
+            <a:ext cx="7061988" cy="2597512"/>
+          </a:xfrm>
+          <a:prstGeom prst="rect">
+            <a:avLst/>
+          </a:prstGeom>
+        </p:spPr>
+      </p:pic>
+      <p:pic>
+        <p:nvPicPr>
+          <p:cNvPr id="9" name="Grafik 8">
+            <a:extLst>
+              <a:ext uri="{FF2B5EF4-FFF2-40B4-BE49-F238E27FC236}">
+                <a16:creationId xmlns:a16="http://schemas.microsoft.com/office/drawing/2014/main" id="{3F7C9D30-C000-A774-01B3-C57B70F6F59C}"/>
+              </a:ext>
+            </a:extLst>
+          </p:cNvPr>
+          <p:cNvPicPr>
+            <a:picLocks noChangeAspect="1"/>
+          </p:cNvPicPr>
+          <p:nvPr/>
+        </p:nvPicPr>
+        <p:blipFill>
+          <a:blip r:embed="rId3"/>
+          <a:stretch>
+            <a:fillRect/>
+          </a:stretch>
+        </p:blipFill>
+        <p:spPr>
+          <a:xfrm>
+            <a:off x="379336" y="3374754"/>
+            <a:ext cx="10763803" cy="2000353"/>
+          </a:xfrm>
+          <a:prstGeom prst="rect">
+            <a:avLst/>
+          </a:prstGeom>
+        </p:spPr>
+      </p:pic>
+    </p:spTree>
+    <p:extLst>
+      <p:ext uri="{BB962C8B-B14F-4D97-AF65-F5344CB8AC3E}">
+        <p14:creationId xmlns:p14="http://schemas.microsoft.com/office/powerpoint/2010/main" val="47046653"/>
       </p:ext>
     </p:extLst>
   </p:cSld>
